--- a/StarPainter_resources/2018180040 - 2DGP 1차 발표 프레젠테이션.pptx
+++ b/StarPainter_resources/2018180040 - 2DGP 1차 발표 프레젠테이션.pptx
@@ -205,7 +205,7 @@
           <a:p>
             <a:fld id="{609A0E1B-38AA-4BE8-850C-D9E0567A993E}" type="datetimeFigureOut">
               <a:rPr lang="ko-KR" altLang="en-US" smtClean="0"/>
-              <a:t>2022-09-25</a:t>
+              <a:t>2022-10-17</a:t>
             </a:fld>
             <a:endParaRPr lang="ko-KR" altLang="en-US"/>
           </a:p>
@@ -743,7 +743,7 @@
           <a:p>
             <a:fld id="{5DEF9E08-89F7-4BEF-8B6A-F0B3DC75C2BF}" type="datetimeFigureOut">
               <a:rPr lang="ko-KR" altLang="en-US" smtClean="0"/>
-              <a:t>2022-09-25</a:t>
+              <a:t>2022-10-17</a:t>
             </a:fld>
             <a:endParaRPr lang="ko-KR" altLang="en-US"/>
           </a:p>
@@ -2547,7 +2547,7 @@
           <a:p>
             <a:fld id="{5DEF9E08-89F7-4BEF-8B6A-F0B3DC75C2BF}" type="datetimeFigureOut">
               <a:rPr lang="ko-KR" altLang="en-US" smtClean="0"/>
-              <a:t>2022-09-25</a:t>
+              <a:t>2022-10-17</a:t>
             </a:fld>
             <a:endParaRPr lang="ko-KR" altLang="en-US"/>
           </a:p>
@@ -2727,7 +2727,7 @@
           <a:p>
             <a:fld id="{5DEF9E08-89F7-4BEF-8B6A-F0B3DC75C2BF}" type="datetimeFigureOut">
               <a:rPr lang="ko-KR" altLang="en-US" smtClean="0"/>
-              <a:t>2022-09-25</a:t>
+              <a:t>2022-10-17</a:t>
             </a:fld>
             <a:endParaRPr lang="ko-KR" altLang="en-US"/>
           </a:p>
@@ -2902,7 +2902,7 @@
           <a:p>
             <a:fld id="{5DEF9E08-89F7-4BEF-8B6A-F0B3DC75C2BF}" type="datetimeFigureOut">
               <a:rPr lang="ko-KR" altLang="en-US" smtClean="0"/>
-              <a:t>2022-09-25</a:t>
+              <a:t>2022-10-17</a:t>
             </a:fld>
             <a:endParaRPr lang="ko-KR" altLang="en-US"/>
           </a:p>
@@ -3150,7 +3150,7 @@
           <a:p>
             <a:fld id="{5DEF9E08-89F7-4BEF-8B6A-F0B3DC75C2BF}" type="datetimeFigureOut">
               <a:rPr lang="ko-KR" altLang="en-US" smtClean="0"/>
-              <a:t>2022-09-25</a:t>
+              <a:t>2022-10-17</a:t>
             </a:fld>
             <a:endParaRPr lang="ko-KR" altLang="en-US"/>
           </a:p>
@@ -5072,7 +5072,7 @@
           <a:p>
             <a:fld id="{5DEF9E08-89F7-4BEF-8B6A-F0B3DC75C2BF}" type="datetimeFigureOut">
               <a:rPr lang="ko-KR" altLang="en-US" smtClean="0"/>
-              <a:t>2022-09-25</a:t>
+              <a:t>2022-10-17</a:t>
             </a:fld>
             <a:endParaRPr lang="ko-KR" altLang="en-US"/>
           </a:p>
@@ -5508,7 +5508,7 @@
           <a:p>
             <a:fld id="{5DEF9E08-89F7-4BEF-8B6A-F0B3DC75C2BF}" type="datetimeFigureOut">
               <a:rPr lang="ko-KR" altLang="en-US" smtClean="0"/>
-              <a:t>2022-09-25</a:t>
+              <a:t>2022-10-17</a:t>
             </a:fld>
             <a:endParaRPr lang="ko-KR" altLang="en-US"/>
           </a:p>
@@ -5626,7 +5626,7 @@
           <a:p>
             <a:fld id="{5DEF9E08-89F7-4BEF-8B6A-F0B3DC75C2BF}" type="datetimeFigureOut">
               <a:rPr lang="ko-KR" altLang="en-US" smtClean="0"/>
-              <a:t>2022-09-25</a:t>
+              <a:t>2022-10-17</a:t>
             </a:fld>
             <a:endParaRPr lang="ko-KR" altLang="en-US"/>
           </a:p>
@@ -5721,7 +5721,7 @@
           <a:p>
             <a:fld id="{5DEF9E08-89F7-4BEF-8B6A-F0B3DC75C2BF}" type="datetimeFigureOut">
               <a:rPr lang="ko-KR" altLang="en-US" smtClean="0"/>
-              <a:t>2022-09-25</a:t>
+              <a:t>2022-10-17</a:t>
             </a:fld>
             <a:endParaRPr lang="ko-KR" altLang="en-US"/>
           </a:p>
@@ -6018,7 +6018,7 @@
           <a:p>
             <a:fld id="{5DEF9E08-89F7-4BEF-8B6A-F0B3DC75C2BF}" type="datetimeFigureOut">
               <a:rPr lang="ko-KR" altLang="en-US" smtClean="0"/>
-              <a:t>2022-09-25</a:t>
+              <a:t>2022-10-17</a:t>
             </a:fld>
             <a:endParaRPr lang="ko-KR" altLang="en-US"/>
           </a:p>
@@ -6290,7 +6290,7 @@
           <a:p>
             <a:fld id="{5DEF9E08-89F7-4BEF-8B6A-F0B3DC75C2BF}" type="datetimeFigureOut">
               <a:rPr lang="ko-KR" altLang="en-US" smtClean="0"/>
-              <a:t>2022-09-25</a:t>
+              <a:t>2022-10-17</a:t>
             </a:fld>
             <a:endParaRPr lang="ko-KR" altLang="en-US"/>
           </a:p>
@@ -9403,7 +9403,7 @@
           <a:p>
             <a:fld id="{5DEF9E08-89F7-4BEF-8B6A-F0B3DC75C2BF}" type="datetimeFigureOut">
               <a:rPr lang="ko-KR" altLang="en-US" smtClean="0"/>
-              <a:t>2022-09-25</a:t>
+              <a:t>2022-10-17</a:t>
             </a:fld>
             <a:endParaRPr lang="ko-KR" altLang="en-US"/>
           </a:p>
